--- a/Documents/디퍼드셰이딩.pptx
+++ b/Documents/디퍼드셰이딩.pptx
@@ -4793,7 +4793,7 @@
         <p:spPr>
           <a:xfrm>
             <a:off x="9366361" y="5285858"/>
-            <a:ext cx="1720343" cy="938719"/>
+            <a:ext cx="1976823" cy="938719"/>
           </a:xfrm>
           <a:prstGeom prst="rect">
             <a:avLst/>
@@ -4848,8 +4848,21 @@
             </a:r>
             <a:r>
               <a:rPr lang="en-US" altLang="ko-KR" sz="1100" dirty="0"/>
+              <a:t>RGB(0) </a:t>
+            </a:r>
+            <a:r>
+              <a:rPr lang="ko-KR" altLang="en-US" sz="1100" dirty="0"/>
+              <a:t>또는 </a:t>
+            </a:r>
+            <a:r>
+              <a:rPr lang="en-US" altLang="ko-KR" sz="1100" dirty="0"/>
               <a:t>discard</a:t>
             </a:r>
+            <a:r>
+              <a:rPr lang="ko-KR" altLang="en-US" sz="1100" dirty="0"/>
+              <a:t> </a:t>
+            </a:r>
+            <a:endParaRPr lang="en-US" altLang="ko-KR" sz="1100" dirty="0"/>
           </a:p>
         </p:txBody>
       </p:sp>
@@ -5137,7 +5150,7 @@
         <p:spPr>
           <a:xfrm>
             <a:off x="9298162" y="3670756"/>
-            <a:ext cx="2786340" cy="938719"/>
+            <a:ext cx="2885726" cy="938719"/>
           </a:xfrm>
           <a:prstGeom prst="rect">
             <a:avLst/>
@@ -5196,8 +5209,20 @@
               <a:t>distance </a:t>
             </a:r>
             <a:r>
+              <a:rPr lang="ko-KR" altLang="en-US" sz="1100"/>
+              <a:t>계산하여 </a:t>
+            </a:r>
+            <a:r>
+              <a:rPr lang="en-US" altLang="ko-KR" sz="1100"/>
+              <a:t>RGB</a:t>
+            </a:r>
+            <a:r>
+              <a:rPr lang="en-US" altLang="ko-KR" sz="1100" dirty="0"/>
+              <a:t>(0) </a:t>
+            </a:r>
+            <a:r>
               <a:rPr lang="ko-KR" altLang="en-US" sz="1100" dirty="0"/>
-              <a:t>계산하여 </a:t>
+              <a:t>또는 </a:t>
             </a:r>
             <a:r>
               <a:rPr lang="en-US" altLang="ko-KR" sz="1100" dirty="0"/>

--- a/Documents/디퍼드셰이딩.pptx
+++ b/Documents/디퍼드셰이딩.pptx
@@ -4793,7 +4793,7 @@
         <p:spPr>
           <a:xfrm>
             <a:off x="9366361" y="5285858"/>
-            <a:ext cx="1976823" cy="938719"/>
+            <a:ext cx="1976823" cy="1107996"/>
           </a:xfrm>
           <a:prstGeom prst="rect">
             <a:avLst/>
@@ -4828,6 +4828,13 @@
             <a:endParaRPr lang="en-US" altLang="ko-KR" sz="1100" dirty="0"/>
           </a:p>
           <a:p>
+            <a:endParaRPr lang="en-US" altLang="ko-KR" sz="1100" dirty="0"/>
+          </a:p>
+          <a:p>
+            <a:r>
+              <a:rPr lang="ko-KR" altLang="en-US" sz="1100"/>
+              <a:t>정보가 없으므로 계산불가</a:t>
+            </a:r>
             <a:endParaRPr lang="en-US" altLang="ko-KR" sz="1100" dirty="0"/>
           </a:p>
           <a:p>

--- a/Documents/디퍼드셰이딩.pptx
+++ b/Documents/디퍼드셰이딩.pptx
@@ -4793,7 +4793,7 @@
         <p:spPr>
           <a:xfrm>
             <a:off x="9366361" y="5285858"/>
-            <a:ext cx="1976823" cy="1107996"/>
+            <a:ext cx="1835759" cy="1107996"/>
           </a:xfrm>
           <a:prstGeom prst="rect">
             <a:avLst/>
@@ -4832,7 +4832,7 @@
           </a:p>
           <a:p>
             <a:r>
-              <a:rPr lang="ko-KR" altLang="en-US" sz="1100"/>
+              <a:rPr lang="ko-KR" altLang="en-US" sz="1100" dirty="0"/>
               <a:t>정보가 없으므로 계산불가</a:t>
             </a:r>
             <a:endParaRPr lang="en-US" altLang="ko-KR" sz="1100" dirty="0"/>
@@ -4855,18 +4855,14 @@
             </a:r>
             <a:r>
               <a:rPr lang="en-US" altLang="ko-KR" sz="1100" dirty="0"/>
-              <a:t>RGB(0) </a:t>
-            </a:r>
-            <a:r>
-              <a:rPr lang="ko-KR" altLang="en-US" sz="1100" dirty="0"/>
-              <a:t>또는 </a:t>
-            </a:r>
-            <a:r>
-              <a:rPr lang="en-US" altLang="ko-KR" sz="1100" dirty="0"/>
-              <a:t>discard</a:t>
-            </a:r>
-            <a:r>
-              <a:rPr lang="ko-KR" altLang="en-US" sz="1100" dirty="0"/>
+              <a:t>RGB(</a:t>
+            </a:r>
+            <a:r>
+              <a:rPr lang="en-US" altLang="ko-KR" sz="1100"/>
+              <a:t>0)</a:t>
+            </a:r>
+            <a:r>
+              <a:rPr lang="ko-KR" altLang="en-US" sz="1100"/>
               <a:t> </a:t>
             </a:r>
             <a:endParaRPr lang="en-US" altLang="ko-KR" sz="1100" dirty="0"/>
@@ -5216,24 +5212,12 @@
               <a:t>distance </a:t>
             </a:r>
             <a:r>
-              <a:rPr lang="ko-KR" altLang="en-US" sz="1100"/>
+              <a:rPr lang="ko-KR" altLang="en-US" sz="1100" dirty="0"/>
               <a:t>계산하여 </a:t>
             </a:r>
             <a:r>
-              <a:rPr lang="en-US" altLang="ko-KR" sz="1100"/>
-              <a:t>RGB</a:t>
-            </a:r>
-            <a:r>
               <a:rPr lang="en-US" altLang="ko-KR" sz="1100" dirty="0"/>
-              <a:t>(0) </a:t>
-            </a:r>
-            <a:r>
-              <a:rPr lang="ko-KR" altLang="en-US" sz="1100" dirty="0"/>
-              <a:t>또는 </a:t>
-            </a:r>
-            <a:r>
-              <a:rPr lang="en-US" altLang="ko-KR" sz="1100" dirty="0"/>
-              <a:t>discard</a:t>
+              <a:t>RGB(0)</a:t>
             </a:r>
             <a:r>
               <a:rPr lang="ko-KR" altLang="en-US" sz="1100" dirty="0"/>
